--- a/4주차(2018.10.17)/백엔드 컴포넌트 공격 - 운영체제 명령 인젝션.pptx
+++ b/4주차(2018.10.17)/백엔드 컴포넌트 공격 - 운영체제 명령 인젝션.pptx
@@ -2,7 +2,7 @@
 <file path=ppt/presentation.xml><?xml version="1.0" encoding="utf-8"?>
 <p:presentation xmlns:r="http://schemas.openxmlformats.org/officeDocument/2006/relationships" xmlns:c="http://schemas.openxmlformats.org/drawingml/2006/chart" xmlns:a="http://schemas.openxmlformats.org/drawingml/2006/main" xmlns:dgm="http://schemas.openxmlformats.org/drawingml/2006/diagram" xmlns:dsp="http://schemas.microsoft.com/office/drawing/2008/diagram" xmlns:p="http://schemas.openxmlformats.org/presentationml/2006/main" saveSubsetFonts="1">
   <p:sldMasterIdLst>
-    <p:sldMasterId id="2147483680" r:id="rId1"/>
+    <p:sldMasterId id="2147483673" r:id="rId1"/>
   </p:sldMasterIdLst>
   <p:notesMasterIdLst>
     <p:notesMasterId r:id="rId2"/>
@@ -25,6 +25,7 @@
     <p:sldId id="270" r:id="rId17"/>
     <p:sldId id="271" r:id="rId18"/>
     <p:sldId id="272" r:id="rId19"/>
+    <p:sldId id="273" r:id="rId20"/>
   </p:sldIdLst>
   <p:sldSz cx="9144000" cy="6858000" type="screen4x3"/>
   <p:notesSz cx="6858000" cy="9144000"/>
@@ -221,7 +222,7 @@
               <a:pPr lvl="0">
                 <a:defRPr lang="ko-KR" altLang="en-US"/>
               </a:pPr>
-              <a:t>2018-10-17</a:t>
+              <a:t>2018-10-18</a:t>
             </a:fld>
             <a:endParaRPr lang="ko-KR" altLang="en-US"/>
           </a:p>
@@ -10192,6 +10193,97 @@
 </p:sld>
 </file>
 
+<file path=ppt/slides/slide18.xml><?xml version="1.0" encoding="utf-8"?>
+<p:sld xmlns:r="http://schemas.openxmlformats.org/officeDocument/2006/relationships" xmlns:c="http://schemas.openxmlformats.org/drawingml/2006/chart" xmlns:a="http://schemas.openxmlformats.org/drawingml/2006/main" xmlns:dgm="http://schemas.openxmlformats.org/drawingml/2006/diagram" xmlns:dsp="http://schemas.microsoft.com/office/drawing/2008/diagram" xmlns:p="http://schemas.openxmlformats.org/presentationml/2006/main">
+  <p:cSld>
+    <p:spTree>
+      <p:nvGrpSpPr>
+        <p:cNvPr id="1" name=""/>
+        <p:cNvGrpSpPr/>
+        <p:nvPr/>
+      </p:nvGrpSpPr>
+      <p:grpSpPr>
+        <a:xfrm>
+          <a:off x="0" y="0"/>
+          <a:ext cx="0" cy="0"/>
+          <a:chOff x="0" y="0"/>
+          <a:chExt cx="0" cy="0"/>
+        </a:xfrm>
+      </p:grpSpPr>
+      <p:sp>
+        <p:nvSpPr>
+          <p:cNvPr id="2" name="제목 1"/>
+          <p:cNvSpPr>
+            <a:spLocks noGrp="1"/>
+          </p:cNvSpPr>
+          <p:nvPr>
+            <p:ph type="title" idx="0"/>
+          </p:nvPr>
+        </p:nvSpPr>
+        <p:spPr/>
+        <p:txBody>
+          <a:bodyPr/>
+          <a:lstStyle/>
+          <a:p>
+            <a:pPr>
+              <a:defRPr lang="ko-KR" altLang="en-US"/>
+            </a:pPr>
+            <a:r>
+              <a:rPr lang="ko-KR" altLang="en-US"/>
+              <a:t>관련 기사</a:t>
+            </a:r>
+            <a:endParaRPr lang="ko-KR" altLang="en-US"/>
+          </a:p>
+        </p:txBody>
+      </p:sp>
+      <p:sp>
+        <p:nvSpPr>
+          <p:cNvPr id="3" name="내용 개체 틀 2"/>
+          <p:cNvSpPr>
+            <a:spLocks noGrp="1"/>
+          </p:cNvSpPr>
+          <p:nvPr>
+            <p:ph idx="1"/>
+          </p:nvPr>
+        </p:nvSpPr>
+        <p:spPr/>
+        <p:txBody>
+          <a:bodyPr/>
+          <a:lstStyle/>
+          <a:p>
+            <a:pPr>
+              <a:defRPr lang="ko-KR" altLang="en-US"/>
+            </a:pPr>
+            <a:r>
+              <a:rPr lang="ko-KR" altLang="en-US">
+                <a:hlinkClick r:id="rId2"/>
+              </a:rPr>
+              <a:t>https://www.boannews.com/media/view.asp?idx=73779&amp;mkind=1&amp;kind=1</a:t>
+            </a:r>
+            <a:r>
+              <a:rPr lang="ko-KR" altLang="en-US"/>
+              <a:t> </a:t>
+            </a:r>
+            <a:endParaRPr lang="ko-KR" altLang="en-US"/>
+          </a:p>
+        </p:txBody>
+      </p:sp>
+    </p:spTree>
+  </p:cSld>
+  <p:clrMapOvr>
+    <a:masterClrMapping/>
+  </p:clrMapOvr>
+  <mc:AlternateContent xmlns:mc="http://schemas.openxmlformats.org/markup-compatibility/2006">
+    <mc:Choice xmlns:p14="http://schemas.microsoft.com/office/powerpoint/2010/main" Requires="p14">
+      <p:transition xmlns:mc="http://schemas.openxmlformats.org/markup-compatibility/2006" xmlns:p14="http://schemas.microsoft.com/office/powerpoint/2010/main" mc:Ignorable="p14" p14:dur="500"/>
+    </mc:Choice>
+    <mc:Fallback>
+      <p:transition/>
+    </mc:Fallback>
+  </mc:AlternateContent>
+</p:sld>
+</file>
+
 <file path=ppt/slides/slide2.xml><?xml version="1.0" encoding="utf-8"?>
 <p:sld xmlns:r="http://schemas.openxmlformats.org/officeDocument/2006/relationships" xmlns:c="http://schemas.openxmlformats.org/drawingml/2006/chart" xmlns:a="http://schemas.openxmlformats.org/drawingml/2006/main" xmlns:dgm="http://schemas.openxmlformats.org/drawingml/2006/diagram" xmlns:dsp="http://schemas.microsoft.com/office/drawing/2008/diagram" xmlns:p="http://schemas.openxmlformats.org/presentationml/2006/main">
   <p:cSld>
